--- a/Day1/Lab1 - afternoon.pptx
+++ b/Day1/Lab1 - afternoon.pptx
@@ -306,7 +306,7 @@
           <a:p>
             <a:fld id="{B943EB1E-A748-3245-B6E9-FAD0D9FB45D1}" type="datetimeFigureOut">
               <a:rPr lang="en-US" smtClean="0"/>
-              <a:t>5/18/16</a:t>
+              <a:t>5/29/16</a:t>
             </a:fld>
             <a:endParaRPr lang="en-US"/>
           </a:p>
@@ -476,7 +476,7 @@
           <a:p>
             <a:fld id="{B943EB1E-A748-3245-B6E9-FAD0D9FB45D1}" type="datetimeFigureOut">
               <a:rPr lang="en-US" smtClean="0"/>
-              <a:t>5/18/16</a:t>
+              <a:t>5/29/16</a:t>
             </a:fld>
             <a:endParaRPr lang="en-US"/>
           </a:p>
@@ -656,7 +656,7 @@
           <a:p>
             <a:fld id="{B943EB1E-A748-3245-B6E9-FAD0D9FB45D1}" type="datetimeFigureOut">
               <a:rPr lang="en-US" smtClean="0"/>
-              <a:t>5/18/16</a:t>
+              <a:t>5/29/16</a:t>
             </a:fld>
             <a:endParaRPr lang="en-US"/>
           </a:p>
@@ -826,7 +826,7 @@
           <a:p>
             <a:fld id="{B943EB1E-A748-3245-B6E9-FAD0D9FB45D1}" type="datetimeFigureOut">
               <a:rPr lang="en-US" smtClean="0"/>
-              <a:t>5/18/16</a:t>
+              <a:t>5/29/16</a:t>
             </a:fld>
             <a:endParaRPr lang="en-US"/>
           </a:p>
@@ -1072,7 +1072,7 @@
           <a:p>
             <a:fld id="{B943EB1E-A748-3245-B6E9-FAD0D9FB45D1}" type="datetimeFigureOut">
               <a:rPr lang="en-US" smtClean="0"/>
-              <a:t>5/18/16</a:t>
+              <a:t>5/29/16</a:t>
             </a:fld>
             <a:endParaRPr lang="en-US"/>
           </a:p>
@@ -1360,7 +1360,7 @@
           <a:p>
             <a:fld id="{B943EB1E-A748-3245-B6E9-FAD0D9FB45D1}" type="datetimeFigureOut">
               <a:rPr lang="en-US" smtClean="0"/>
-              <a:t>5/18/16</a:t>
+              <a:t>5/29/16</a:t>
             </a:fld>
             <a:endParaRPr lang="en-US"/>
           </a:p>
@@ -1782,7 +1782,7 @@
           <a:p>
             <a:fld id="{B943EB1E-A748-3245-B6E9-FAD0D9FB45D1}" type="datetimeFigureOut">
               <a:rPr lang="en-US" smtClean="0"/>
-              <a:t>5/18/16</a:t>
+              <a:t>5/29/16</a:t>
             </a:fld>
             <a:endParaRPr lang="en-US"/>
           </a:p>
@@ -1900,7 +1900,7 @@
           <a:p>
             <a:fld id="{B943EB1E-A748-3245-B6E9-FAD0D9FB45D1}" type="datetimeFigureOut">
               <a:rPr lang="en-US" smtClean="0"/>
-              <a:t>5/18/16</a:t>
+              <a:t>5/29/16</a:t>
             </a:fld>
             <a:endParaRPr lang="en-US"/>
           </a:p>
@@ -1995,7 +1995,7 @@
           <a:p>
             <a:fld id="{B943EB1E-A748-3245-B6E9-FAD0D9FB45D1}" type="datetimeFigureOut">
               <a:rPr lang="en-US" smtClean="0"/>
-              <a:t>5/18/16</a:t>
+              <a:t>5/29/16</a:t>
             </a:fld>
             <a:endParaRPr lang="en-US"/>
           </a:p>
@@ -2272,7 +2272,7 @@
           <a:p>
             <a:fld id="{B943EB1E-A748-3245-B6E9-FAD0D9FB45D1}" type="datetimeFigureOut">
               <a:rPr lang="en-US" smtClean="0"/>
-              <a:t>5/18/16</a:t>
+              <a:t>5/29/16</a:t>
             </a:fld>
             <a:endParaRPr lang="en-US"/>
           </a:p>
@@ -2525,7 +2525,7 @@
           <a:p>
             <a:fld id="{B943EB1E-A748-3245-B6E9-FAD0D9FB45D1}" type="datetimeFigureOut">
               <a:rPr lang="en-US" smtClean="0"/>
-              <a:t>5/18/16</a:t>
+              <a:t>5/29/16</a:t>
             </a:fld>
             <a:endParaRPr lang="en-US"/>
           </a:p>
@@ -2738,7 +2738,7 @@
           <a:p>
             <a:fld id="{B943EB1E-A748-3245-B6E9-FAD0D9FB45D1}" type="datetimeFigureOut">
               <a:rPr lang="en-US" smtClean="0"/>
-              <a:t>5/18/16</a:t>
+              <a:t>5/29/16</a:t>
             </a:fld>
             <a:endParaRPr lang="en-US"/>
           </a:p>
@@ -3391,7 +3391,9 @@
         </p:nvSpPr>
         <p:spPr/>
         <p:txBody>
-          <a:bodyPr/>
+          <a:bodyPr>
+            <a:normAutofit lnSpcReduction="10000"/>
+          </a:bodyPr>
           <a:lstStyle/>
           <a:p>
             <a:r>
@@ -3441,7 +3443,11 @@
           <a:p>
             <a:r>
               <a:rPr lang="is-IS" dirty="0" smtClean="0"/>
-              <a:t>Write 1 script, apply to new data</a:t>
+              <a:t>Silly younger </a:t>
+            </a:r>
+            <a:r>
+              <a:rPr lang="is-IS" smtClean="0"/>
+              <a:t>me runs the analysis from scratch every single time!</a:t>
             </a:r>
             <a:endParaRPr lang="en-US" dirty="0"/>
           </a:p>
@@ -4465,11 +4471,7 @@
             <a:pPr lvl="1"/>
             <a:r>
               <a:rPr lang="en-US" dirty="0" smtClean="0"/>
-              <a:t>Interactive intro </a:t>
-            </a:r>
-            <a:r>
-              <a:rPr lang="en-US" dirty="0" smtClean="0"/>
-              <a:t>to R via Swirl</a:t>
+              <a:t>Interactive intro to R via Swirl</a:t>
             </a:r>
             <a:endParaRPr lang="en-US" dirty="0"/>
           </a:p>
@@ -4589,11 +4591,7 @@
           <a:p>
             <a:r>
               <a:rPr lang="en-US" dirty="0" smtClean="0"/>
-              <a:t>Does </a:t>
-            </a:r>
-            <a:r>
-              <a:rPr lang="en-US" dirty="0" smtClean="0"/>
-              <a:t>it work?</a:t>
+              <a:t>Does it work?</a:t>
             </a:r>
             <a:endParaRPr lang="en-US" dirty="0"/>
           </a:p>
@@ -4755,11 +4753,7 @@
             <a:pPr lvl="1"/>
             <a:r>
               <a:rPr lang="en-US" dirty="0" smtClean="0"/>
-              <a:t>Free and open source</a:t>
-            </a:r>
-            <a:r>
-              <a:rPr lang="en-US" dirty="0" smtClean="0"/>
-              <a:t>!</a:t>
+              <a:t>Free and open source!</a:t>
             </a:r>
           </a:p>
           <a:p>
@@ -4768,7 +4762,6 @@
               <a:rPr lang="en-US" dirty="0" smtClean="0"/>
               <a:t>Scriptable (reproducible and reusable)</a:t>
             </a:r>
-            <a:endParaRPr lang="en-US" dirty="0" smtClean="0"/>
           </a:p>
           <a:p>
             <a:pPr lvl="1"/>
@@ -4780,17 +4773,12 @@
               <a:rPr lang="en-US" dirty="0" smtClean="0"/>
               <a:t> (much much help online)</a:t>
             </a:r>
-            <a:endParaRPr lang="en-US" dirty="0" smtClean="0"/>
           </a:p>
           <a:p>
             <a:pPr lvl="1"/>
             <a:r>
               <a:rPr lang="en-US" dirty="0" smtClean="0"/>
-              <a:t>New methods developed ALL the time</a:t>
-            </a:r>
-            <a:r>
-              <a:rPr lang="en-US" dirty="0" smtClean="0"/>
-              <a:t>!</a:t>
+              <a:t>New methods developed ALL the time!</a:t>
             </a:r>
           </a:p>
           <a:p>

--- a/Day1/Lab1 - afternoon.pptx
+++ b/Day1/Lab1 - afternoon.pptx
@@ -306,7 +306,7 @@
           <a:p>
             <a:fld id="{B943EB1E-A748-3245-B6E9-FAD0D9FB45D1}" type="datetimeFigureOut">
               <a:rPr lang="en-US" smtClean="0"/>
-              <a:t>5/29/16</a:t>
+              <a:t>5/30/16</a:t>
             </a:fld>
             <a:endParaRPr lang="en-US"/>
           </a:p>
@@ -476,7 +476,7 @@
           <a:p>
             <a:fld id="{B943EB1E-A748-3245-B6E9-FAD0D9FB45D1}" type="datetimeFigureOut">
               <a:rPr lang="en-US" smtClean="0"/>
-              <a:t>5/29/16</a:t>
+              <a:t>5/30/16</a:t>
             </a:fld>
             <a:endParaRPr lang="en-US"/>
           </a:p>
@@ -656,7 +656,7 @@
           <a:p>
             <a:fld id="{B943EB1E-A748-3245-B6E9-FAD0D9FB45D1}" type="datetimeFigureOut">
               <a:rPr lang="en-US" smtClean="0"/>
-              <a:t>5/29/16</a:t>
+              <a:t>5/30/16</a:t>
             </a:fld>
             <a:endParaRPr lang="en-US"/>
           </a:p>
@@ -826,7 +826,7 @@
           <a:p>
             <a:fld id="{B943EB1E-A748-3245-B6E9-FAD0D9FB45D1}" type="datetimeFigureOut">
               <a:rPr lang="en-US" smtClean="0"/>
-              <a:t>5/29/16</a:t>
+              <a:t>5/30/16</a:t>
             </a:fld>
             <a:endParaRPr lang="en-US"/>
           </a:p>
@@ -1072,7 +1072,7 @@
           <a:p>
             <a:fld id="{B943EB1E-A748-3245-B6E9-FAD0D9FB45D1}" type="datetimeFigureOut">
               <a:rPr lang="en-US" smtClean="0"/>
-              <a:t>5/29/16</a:t>
+              <a:t>5/30/16</a:t>
             </a:fld>
             <a:endParaRPr lang="en-US"/>
           </a:p>
@@ -1360,7 +1360,7 @@
           <a:p>
             <a:fld id="{B943EB1E-A748-3245-B6E9-FAD0D9FB45D1}" type="datetimeFigureOut">
               <a:rPr lang="en-US" smtClean="0"/>
-              <a:t>5/29/16</a:t>
+              <a:t>5/30/16</a:t>
             </a:fld>
             <a:endParaRPr lang="en-US"/>
           </a:p>
@@ -1782,7 +1782,7 @@
           <a:p>
             <a:fld id="{B943EB1E-A748-3245-B6E9-FAD0D9FB45D1}" type="datetimeFigureOut">
               <a:rPr lang="en-US" smtClean="0"/>
-              <a:t>5/29/16</a:t>
+              <a:t>5/30/16</a:t>
             </a:fld>
             <a:endParaRPr lang="en-US"/>
           </a:p>
@@ -1900,7 +1900,7 @@
           <a:p>
             <a:fld id="{B943EB1E-A748-3245-B6E9-FAD0D9FB45D1}" type="datetimeFigureOut">
               <a:rPr lang="en-US" smtClean="0"/>
-              <a:t>5/29/16</a:t>
+              <a:t>5/30/16</a:t>
             </a:fld>
             <a:endParaRPr lang="en-US"/>
           </a:p>
@@ -1995,7 +1995,7 @@
           <a:p>
             <a:fld id="{B943EB1E-A748-3245-B6E9-FAD0D9FB45D1}" type="datetimeFigureOut">
               <a:rPr lang="en-US" smtClean="0"/>
-              <a:t>5/29/16</a:t>
+              <a:t>5/30/16</a:t>
             </a:fld>
             <a:endParaRPr lang="en-US"/>
           </a:p>
@@ -2272,7 +2272,7 @@
           <a:p>
             <a:fld id="{B943EB1E-A748-3245-B6E9-FAD0D9FB45D1}" type="datetimeFigureOut">
               <a:rPr lang="en-US" smtClean="0"/>
-              <a:t>5/29/16</a:t>
+              <a:t>5/30/16</a:t>
             </a:fld>
             <a:endParaRPr lang="en-US"/>
           </a:p>
@@ -2525,7 +2525,7 @@
           <a:p>
             <a:fld id="{B943EB1E-A748-3245-B6E9-FAD0D9FB45D1}" type="datetimeFigureOut">
               <a:rPr lang="en-US" smtClean="0"/>
-              <a:t>5/29/16</a:t>
+              <a:t>5/30/16</a:t>
             </a:fld>
             <a:endParaRPr lang="en-US"/>
           </a:p>
@@ -2738,7 +2738,7 @@
           <a:p>
             <a:fld id="{B943EB1E-A748-3245-B6E9-FAD0D9FB45D1}" type="datetimeFigureOut">
               <a:rPr lang="en-US" smtClean="0"/>
-              <a:t>5/29/16</a:t>
+              <a:t>5/30/16</a:t>
             </a:fld>
             <a:endParaRPr lang="en-US"/>
           </a:p>
@@ -3165,6 +3165,13 @@
   <p:clrMapOvr>
     <a:masterClrMapping/>
   </p:clrMapOvr>
+  <p:timing>
+    <p:tnLst>
+      <p:par>
+        <p:cTn xmlns:p14="http://schemas.microsoft.com/office/powerpoint/2010/main" id="1" dur="indefinite" restart="never" nodeType="tmRoot"/>
+      </p:par>
+    </p:tnLst>
+  </p:timing>
 </p:sld>
 </file>
 
@@ -4518,6 +4525,13 @@
   <p:clrMapOvr>
     <a:masterClrMapping/>
   </p:clrMapOvr>
+  <p:timing>
+    <p:tnLst>
+      <p:par>
+        <p:cTn xmlns:p14="http://schemas.microsoft.com/office/powerpoint/2010/main" id="1" dur="indefinite" restart="never" nodeType="tmRoot"/>
+      </p:par>
+    </p:tnLst>
+  </p:timing>
 </p:sld>
 </file>
 
@@ -4607,6 +4621,13 @@
   <p:clrMapOvr>
     <a:masterClrMapping/>
   </p:clrMapOvr>
+  <p:timing>
+    <p:tnLst>
+      <p:par>
+        <p:cTn xmlns:p14="http://schemas.microsoft.com/office/powerpoint/2010/main" id="1" dur="indefinite" restart="never" nodeType="tmRoot"/>
+      </p:par>
+    </p:tnLst>
+  </p:timing>
 </p:sld>
 </file>
 
@@ -4684,6 +4705,13 @@
   <p:clrMapOvr>
     <a:masterClrMapping/>
   </p:clrMapOvr>
+  <p:timing>
+    <p:tnLst>
+      <p:par>
+        <p:cTn xmlns:p14="http://schemas.microsoft.com/office/powerpoint/2010/main" id="1" dur="indefinite" restart="never" nodeType="tmRoot"/>
+      </p:par>
+    </p:tnLst>
+  </p:timing>
 </p:sld>
 </file>
 
@@ -4827,6 +4855,13 @@
   <p:clrMapOvr>
     <a:masterClrMapping/>
   </p:clrMapOvr>
+  <p:timing>
+    <p:tnLst>
+      <p:par>
+        <p:cTn xmlns:p14="http://schemas.microsoft.com/office/powerpoint/2010/main" id="1" dur="indefinite" restart="never" nodeType="tmRoot"/>
+      </p:par>
+    </p:tnLst>
+  </p:timing>
 </p:sld>
 </file>
 
@@ -5081,6 +5116,13 @@
   <p:clrMapOvr>
     <a:masterClrMapping/>
   </p:clrMapOvr>
+  <p:timing>
+    <p:tnLst>
+      <p:par>
+        <p:cTn xmlns:p14="http://schemas.microsoft.com/office/powerpoint/2010/main" id="1" dur="indefinite" restart="never" nodeType="tmRoot"/>
+      </p:par>
+    </p:tnLst>
+  </p:timing>
 </p:sld>
 </file>
 
@@ -5172,8 +5214,12 @@
           <a:p>
             <a:pPr lvl="1"/>
             <a:r>
-              <a:rPr lang="en-US" dirty="0" smtClean="0"/>
-              <a:t>library(“swirl”)</a:t>
+              <a:rPr lang="en-US" smtClean="0"/>
+              <a:t>library</a:t>
+            </a:r>
+            <a:r>
+              <a:rPr lang="en-US" dirty="0" smtClean="0"/>
+              <a:t>(swirl)</a:t>
             </a:r>
             <a:endParaRPr lang="en-US" dirty="0"/>
           </a:p>
@@ -5238,6 +5284,13 @@
   <p:clrMapOvr>
     <a:masterClrMapping/>
   </p:clrMapOvr>
+  <p:timing>
+    <p:tnLst>
+      <p:par>
+        <p:cTn xmlns:p14="http://schemas.microsoft.com/office/powerpoint/2010/main" id="1" dur="indefinite" restart="never" nodeType="tmRoot"/>
+      </p:par>
+    </p:tnLst>
+  </p:timing>
 </p:sld>
 </file>
 
@@ -5310,6 +5363,13 @@
   <p:clrMapOvr>
     <a:masterClrMapping/>
   </p:clrMapOvr>
+  <p:timing>
+    <p:tnLst>
+      <p:par>
+        <p:cTn xmlns:p14="http://schemas.microsoft.com/office/powerpoint/2010/main" id="1" dur="indefinite" restart="never" nodeType="tmRoot"/>
+      </p:par>
+    </p:tnLst>
+  </p:timing>
 </p:sld>
 </file>
 

--- a/Day1/Lab1 - afternoon.pptx
+++ b/Day1/Lab1 - afternoon.pptx
@@ -14,16 +14,17 @@
     <p:sldId id="277" r:id="rId8"/>
     <p:sldId id="265" r:id="rId9"/>
     <p:sldId id="278" r:id="rId10"/>
-    <p:sldId id="279" r:id="rId11"/>
-    <p:sldId id="280" r:id="rId12"/>
-    <p:sldId id="281" r:id="rId13"/>
-    <p:sldId id="282" r:id="rId14"/>
-    <p:sldId id="283" r:id="rId15"/>
-    <p:sldId id="274" r:id="rId16"/>
-    <p:sldId id="284" r:id="rId17"/>
-    <p:sldId id="285" r:id="rId18"/>
-    <p:sldId id="286" r:id="rId19"/>
-    <p:sldId id="269" r:id="rId20"/>
+    <p:sldId id="287" r:id="rId11"/>
+    <p:sldId id="279" r:id="rId12"/>
+    <p:sldId id="280" r:id="rId13"/>
+    <p:sldId id="281" r:id="rId14"/>
+    <p:sldId id="282" r:id="rId15"/>
+    <p:sldId id="283" r:id="rId16"/>
+    <p:sldId id="274" r:id="rId17"/>
+    <p:sldId id="284" r:id="rId18"/>
+    <p:sldId id="285" r:id="rId19"/>
+    <p:sldId id="286" r:id="rId20"/>
+    <p:sldId id="269" r:id="rId21"/>
   </p:sldIdLst>
   <p:sldSz cx="9144000" cy="6858000" type="screen4x3"/>
   <p:notesSz cx="6858000" cy="9144000"/>
@@ -3194,6 +3195,113 @@
       </p:grpSpPr>
       <p:sp>
         <p:nvSpPr>
+          <p:cNvPr id="4" name="Title 3"/>
+          <p:cNvSpPr>
+            <a:spLocks noGrp="1"/>
+          </p:cNvSpPr>
+          <p:nvPr>
+            <p:ph type="title"/>
+          </p:nvPr>
+        </p:nvSpPr>
+        <p:spPr/>
+        <p:txBody>
+          <a:bodyPr/>
+          <a:lstStyle/>
+          <a:p>
+            <a:r>
+              <a:rPr lang="en-US" dirty="0" smtClean="0"/>
+              <a:t>Key concepts</a:t>
+            </a:r>
+            <a:endParaRPr lang="en-US" dirty="0"/>
+          </a:p>
+        </p:txBody>
+      </p:sp>
+      <p:sp>
+        <p:nvSpPr>
+          <p:cNvPr id="5" name="Content Placeholder 4"/>
+          <p:cNvSpPr>
+            <a:spLocks noGrp="1"/>
+          </p:cNvSpPr>
+          <p:nvPr>
+            <p:ph idx="1"/>
+          </p:nvPr>
+        </p:nvSpPr>
+        <p:spPr/>
+        <p:txBody>
+          <a:bodyPr/>
+          <a:lstStyle/>
+          <a:p>
+            <a:r>
+              <a:rPr lang="en-US" dirty="0" smtClean="0"/>
+              <a:t>Variable</a:t>
+            </a:r>
+          </a:p>
+          <a:p>
+            <a:r>
+              <a:rPr lang="en-US" dirty="0" smtClean="0"/>
+              <a:t>Datasets</a:t>
+            </a:r>
+          </a:p>
+          <a:p>
+            <a:r>
+              <a:rPr lang="en-US" dirty="0" smtClean="0"/>
+              <a:t>Vector</a:t>
+            </a:r>
+          </a:p>
+          <a:p>
+            <a:r>
+              <a:rPr lang="en-US" dirty="0" smtClean="0"/>
+              <a:t>Matrix</a:t>
+            </a:r>
+          </a:p>
+          <a:p>
+            <a:r>
+              <a:rPr lang="en-US" dirty="0" smtClean="0"/>
+              <a:t>Operations</a:t>
+            </a:r>
+            <a:endParaRPr lang="en-US" dirty="0"/>
+          </a:p>
+        </p:txBody>
+      </p:sp>
+    </p:spTree>
+    <p:extLst>
+      <p:ext uri="{BB962C8B-B14F-4D97-AF65-F5344CB8AC3E}">
+        <p14:creationId xmlns:p14="http://schemas.microsoft.com/office/powerpoint/2010/main" val="3288407130"/>
+      </p:ext>
+    </p:extLst>
+  </p:cSld>
+  <p:clrMapOvr>
+    <a:masterClrMapping/>
+  </p:clrMapOvr>
+  <p:timing>
+    <p:tnLst>
+      <p:par>
+        <p:cTn xmlns:p14="http://schemas.microsoft.com/office/powerpoint/2010/main" id="1" dur="indefinite" restart="never" nodeType="tmRoot"/>
+      </p:par>
+    </p:tnLst>
+  </p:timing>
+</p:sld>
+</file>
+
+<file path=ppt/slides/slide11.xml><?xml version="1.0" encoding="utf-8"?>
+<p:sld xmlns:a="http://schemas.openxmlformats.org/drawingml/2006/main" xmlns:r="http://schemas.openxmlformats.org/officeDocument/2006/relationships" xmlns:p="http://schemas.openxmlformats.org/presentationml/2006/main">
+  <p:cSld>
+    <p:spTree>
+      <p:nvGrpSpPr>
+        <p:cNvPr id="1" name=""/>
+        <p:cNvGrpSpPr/>
+        <p:nvPr/>
+      </p:nvGrpSpPr>
+      <p:grpSpPr>
+        <a:xfrm>
+          <a:off x="0" y="0"/>
+          <a:ext cx="0" cy="0"/>
+          <a:chOff x="0" y="0"/>
+          <a:chExt cx="0" cy="0"/>
+        </a:xfrm>
+      </p:grpSpPr>
+      <p:sp>
+        <p:nvSpPr>
           <p:cNvPr id="2" name="Title 1"/>
           <p:cNvSpPr>
             <a:spLocks noGrp="1"/>
@@ -3346,133 +3454,6 @@
 </p:sld>
 </file>
 
-<file path=ppt/slides/slide11.xml><?xml version="1.0" encoding="utf-8"?>
-<p:sld xmlns:a="http://schemas.openxmlformats.org/drawingml/2006/main" xmlns:r="http://schemas.openxmlformats.org/officeDocument/2006/relationships" xmlns:p="http://schemas.openxmlformats.org/presentationml/2006/main">
-  <p:cSld>
-    <p:spTree>
-      <p:nvGrpSpPr>
-        <p:cNvPr id="1" name=""/>
-        <p:cNvGrpSpPr/>
-        <p:nvPr/>
-      </p:nvGrpSpPr>
-      <p:grpSpPr>
-        <a:xfrm>
-          <a:off x="0" y="0"/>
-          <a:ext cx="0" cy="0"/>
-          <a:chOff x="0" y="0"/>
-          <a:chExt cx="0" cy="0"/>
-        </a:xfrm>
-      </p:grpSpPr>
-      <p:sp>
-        <p:nvSpPr>
-          <p:cNvPr id="4" name="Title 3"/>
-          <p:cNvSpPr>
-            <a:spLocks noGrp="1"/>
-          </p:cNvSpPr>
-          <p:nvPr>
-            <p:ph type="title"/>
-          </p:nvPr>
-        </p:nvSpPr>
-        <p:spPr/>
-        <p:txBody>
-          <a:bodyPr/>
-          <a:lstStyle/>
-          <a:p>
-            <a:r>
-              <a:rPr lang="en-US" dirty="0" smtClean="0"/>
-              <a:t>Real example I</a:t>
-            </a:r>
-            <a:endParaRPr lang="en-US" dirty="0"/>
-          </a:p>
-        </p:txBody>
-      </p:sp>
-      <p:sp>
-        <p:nvSpPr>
-          <p:cNvPr id="5" name="Content Placeholder 4"/>
-          <p:cNvSpPr>
-            <a:spLocks noGrp="1"/>
-          </p:cNvSpPr>
-          <p:nvPr>
-            <p:ph idx="1"/>
-          </p:nvPr>
-        </p:nvSpPr>
-        <p:spPr/>
-        <p:txBody>
-          <a:bodyPr>
-            <a:normAutofit lnSpcReduction="10000"/>
-          </a:bodyPr>
-          <a:lstStyle/>
-          <a:p>
-            <a:r>
-              <a:rPr lang="en-US" dirty="0" smtClean="0"/>
-              <a:t>Running the same analysis many times</a:t>
-            </a:r>
-          </a:p>
-          <a:p>
-            <a:pPr lvl="1"/>
-            <a:r>
-              <a:rPr lang="en-US" dirty="0" smtClean="0"/>
-              <a:t>Predicting autism from voice</a:t>
-            </a:r>
-          </a:p>
-          <a:p>
-            <a:pPr lvl="1"/>
-            <a:r>
-              <a:rPr lang="en-US" dirty="0" smtClean="0"/>
-              <a:t>Predicting schizophrenia from voice</a:t>
-            </a:r>
-          </a:p>
-          <a:p>
-            <a:pPr lvl="1"/>
-            <a:r>
-              <a:rPr lang="en-US" dirty="0" smtClean="0"/>
-              <a:t>Predicting depression from voice</a:t>
-            </a:r>
-          </a:p>
-          <a:p>
-            <a:pPr lvl="1"/>
-            <a:r>
-              <a:rPr lang="en-US" dirty="0" smtClean="0"/>
-              <a:t>Predicting bipolar disorder from voice</a:t>
-            </a:r>
-          </a:p>
-          <a:p>
-            <a:pPr lvl="1"/>
-            <a:r>
-              <a:rPr lang="is-IS" dirty="0" smtClean="0"/>
-              <a:t>….</a:t>
-            </a:r>
-          </a:p>
-          <a:p>
-            <a:pPr lvl="1"/>
-            <a:endParaRPr lang="is-IS" dirty="0"/>
-          </a:p>
-          <a:p>
-            <a:r>
-              <a:rPr lang="is-IS" dirty="0" smtClean="0"/>
-              <a:t>Silly younger </a:t>
-            </a:r>
-            <a:r>
-              <a:rPr lang="is-IS" smtClean="0"/>
-              <a:t>me runs the analysis from scratch every single time!</a:t>
-            </a:r>
-            <a:endParaRPr lang="en-US" dirty="0"/>
-          </a:p>
-        </p:txBody>
-      </p:sp>
-    </p:spTree>
-    <p:extLst>
-      <p:ext uri="{BB962C8B-B14F-4D97-AF65-F5344CB8AC3E}">
-        <p14:creationId xmlns:p14="http://schemas.microsoft.com/office/powerpoint/2010/main" val="464960681"/>
-      </p:ext>
-    </p:extLst>
-  </p:cSld>
-  <p:clrMapOvr>
-    <a:masterClrMapping/>
-  </p:clrMapOvr>
-</p:sld>
-</file>
-
 <file path=ppt/slides/slide12.xml><?xml version="1.0" encoding="utf-8"?>
 <p:sld xmlns:a="http://schemas.openxmlformats.org/drawingml/2006/main" xmlns:r="http://schemas.openxmlformats.org/officeDocument/2006/relationships" xmlns:p="http://schemas.openxmlformats.org/presentationml/2006/main">
   <p:cSld>
@@ -3492,7 +3473,7 @@
       </p:grpSpPr>
       <p:sp>
         <p:nvSpPr>
-          <p:cNvPr id="2" name="Title 1"/>
+          <p:cNvPr id="4" name="Title 3"/>
           <p:cNvSpPr>
             <a:spLocks noGrp="1"/>
           </p:cNvSpPr>
@@ -3507,7 +3488,7 @@
           <a:p>
             <a:r>
               <a:rPr lang="en-US" dirty="0" smtClean="0"/>
-              <a:t>Real example II</a:t>
+              <a:t>Real example I</a:t>
             </a:r>
             <a:endParaRPr lang="en-US" dirty="0"/>
           </a:p>
@@ -3515,7 +3496,7 @@
       </p:sp>
       <p:sp>
         <p:nvSpPr>
-          <p:cNvPr id="3" name="Content Placeholder 2"/>
+          <p:cNvPr id="5" name="Content Placeholder 4"/>
           <p:cNvSpPr>
             <a:spLocks noGrp="1"/>
           </p:cNvSpPr>
@@ -3525,37 +3506,64 @@
         </p:nvSpPr>
         <p:spPr/>
         <p:txBody>
-          <a:bodyPr/>
-          <a:lstStyle/>
-          <a:p>
-            <a:r>
-              <a:rPr lang="en-US" dirty="0" smtClean="0"/>
-              <a:t>Finding a mistake in the data</a:t>
+          <a:bodyPr>
+            <a:normAutofit lnSpcReduction="10000"/>
+          </a:bodyPr>
+          <a:lstStyle/>
+          <a:p>
+            <a:r>
+              <a:rPr lang="en-US" dirty="0" smtClean="0"/>
+              <a:t>Running the same analysis many times</a:t>
             </a:r>
           </a:p>
           <a:p>
             <a:pPr lvl="1"/>
             <a:r>
               <a:rPr lang="en-US" dirty="0" smtClean="0"/>
-              <a:t>Spend a few days understanding how to run a complicated analysis (predicting social relationships from laughs)</a:t>
+              <a:t>Predicting autism from voice</a:t>
             </a:r>
           </a:p>
           <a:p>
             <a:pPr lvl="1"/>
             <a:r>
               <a:rPr lang="en-US" dirty="0" smtClean="0"/>
-              <a:t>Send a happy mail to collaborators: “Look at what I found!”</a:t>
+              <a:t>Predicting schizophrenia from voice</a:t>
             </a:r>
           </a:p>
           <a:p>
             <a:pPr lvl="1"/>
             <a:r>
               <a:rPr lang="en-US" dirty="0" smtClean="0"/>
-              <a:t>2 weeks later get a response: “Sorry, we mislabeled the data! Could you re-run it on the new corrected data?”</a:t>
+              <a:t>Predicting depression from voice</a:t>
             </a:r>
           </a:p>
           <a:p>
             <a:pPr lvl="1"/>
+            <a:r>
+              <a:rPr lang="en-US" dirty="0" smtClean="0"/>
+              <a:t>Predicting bipolar disorder from voice</a:t>
+            </a:r>
+          </a:p>
+          <a:p>
+            <a:pPr lvl="1"/>
+            <a:r>
+              <a:rPr lang="is-IS" dirty="0" smtClean="0"/>
+              <a:t>….</a:t>
+            </a:r>
+          </a:p>
+          <a:p>
+            <a:pPr lvl="1"/>
+            <a:endParaRPr lang="is-IS" dirty="0"/>
+          </a:p>
+          <a:p>
+            <a:r>
+              <a:rPr lang="is-IS" dirty="0" smtClean="0"/>
+              <a:t>Silly younger </a:t>
+            </a:r>
+            <a:r>
+              <a:rPr lang="is-IS" smtClean="0"/>
+              <a:t>me runs the analysis from scratch every single time!</a:t>
+            </a:r>
             <a:endParaRPr lang="en-US" dirty="0"/>
           </a:p>
         </p:txBody>
@@ -3563,13 +3571,20 @@
     </p:spTree>
     <p:extLst>
       <p:ext uri="{BB962C8B-B14F-4D97-AF65-F5344CB8AC3E}">
-        <p14:creationId xmlns:p14="http://schemas.microsoft.com/office/powerpoint/2010/main" val="1852454975"/>
+        <p14:creationId xmlns:p14="http://schemas.microsoft.com/office/powerpoint/2010/main" val="464960681"/>
       </p:ext>
     </p:extLst>
   </p:cSld>
   <p:clrMapOvr>
     <a:masterClrMapping/>
   </p:clrMapOvr>
+  <p:timing>
+    <p:tnLst>
+      <p:par>
+        <p:cTn xmlns:p14="http://schemas.microsoft.com/office/powerpoint/2010/main" id="1" dur="indefinite" restart="never" nodeType="tmRoot"/>
+      </p:par>
+    </p:tnLst>
+  </p:timing>
 </p:sld>
 </file>
 
@@ -3607,7 +3622,7 @@
           <a:p>
             <a:r>
               <a:rPr lang="en-US" dirty="0" smtClean="0"/>
-              <a:t>Real example III</a:t>
+              <a:t>Real example II</a:t>
             </a:r>
             <a:endParaRPr lang="en-US" dirty="0"/>
           </a:p>
@@ -3630,50 +3645,53 @@
           <a:p>
             <a:r>
               <a:rPr lang="en-US" dirty="0" smtClean="0"/>
-              <a:t>Understanding your code</a:t>
+              <a:t>Finding a mistake in the data</a:t>
             </a:r>
           </a:p>
           <a:p>
             <a:pPr lvl="1"/>
             <a:r>
               <a:rPr lang="en-US" dirty="0" smtClean="0"/>
-              <a:t>Write a script </a:t>
-            </a:r>
-            <a:r>
-              <a:rPr lang="en-US" dirty="0" err="1" smtClean="0"/>
-              <a:t>analysing</a:t>
-            </a:r>
-            <a:r>
-              <a:rPr lang="en-US" dirty="0" smtClean="0"/>
-              <a:t> the laughter data in 2013 and send the results to co-authors</a:t>
+              <a:t>Spend a few days understanding how to run a complicated analysis (predicting social relationships from laughs)</a:t>
             </a:r>
           </a:p>
           <a:p>
             <a:pPr lvl="1"/>
             <a:r>
               <a:rPr lang="en-US" dirty="0" smtClean="0"/>
-              <a:t>Get an email in 2015: “Could you write a paragraph for the paper explaining exactly what you have done?”</a:t>
+              <a:t>Send a happy mail to collaborators: “Look at what I found!”</a:t>
             </a:r>
           </a:p>
           <a:p>
             <a:pPr lvl="1"/>
             <a:r>
               <a:rPr lang="en-US" dirty="0" smtClean="0"/>
-              <a:t>Desperation follows (I had to write a new script to understand what I had done and kept getting different results).</a:t>
-            </a:r>
+              <a:t>2 weeks later get a response: “Sorry, we mislabeled the data! Could you re-run it on the new corrected data?”</a:t>
+            </a:r>
+          </a:p>
+          <a:p>
+            <a:pPr lvl="1"/>
+            <a:endParaRPr lang="en-US" dirty="0"/>
           </a:p>
         </p:txBody>
       </p:sp>
     </p:spTree>
     <p:extLst>
       <p:ext uri="{BB962C8B-B14F-4D97-AF65-F5344CB8AC3E}">
-        <p14:creationId xmlns:p14="http://schemas.microsoft.com/office/powerpoint/2010/main" val="934327403"/>
+        <p14:creationId xmlns:p14="http://schemas.microsoft.com/office/powerpoint/2010/main" val="1852454975"/>
       </p:ext>
     </p:extLst>
   </p:cSld>
   <p:clrMapOvr>
     <a:masterClrMapping/>
   </p:clrMapOvr>
+  <p:timing>
+    <p:tnLst>
+      <p:par>
+        <p:cTn xmlns:p14="http://schemas.microsoft.com/office/powerpoint/2010/main" id="1" dur="indefinite" restart="never" nodeType="tmRoot"/>
+      </p:par>
+    </p:tnLst>
+  </p:timing>
 </p:sld>
 </file>
 
@@ -3711,6 +3729,117 @@
           <a:p>
             <a:r>
               <a:rPr lang="en-US" dirty="0" smtClean="0"/>
+              <a:t>Real example III</a:t>
+            </a:r>
+            <a:endParaRPr lang="en-US" dirty="0"/>
+          </a:p>
+        </p:txBody>
+      </p:sp>
+      <p:sp>
+        <p:nvSpPr>
+          <p:cNvPr id="3" name="Content Placeholder 2"/>
+          <p:cNvSpPr>
+            <a:spLocks noGrp="1"/>
+          </p:cNvSpPr>
+          <p:nvPr>
+            <p:ph idx="1"/>
+          </p:nvPr>
+        </p:nvSpPr>
+        <p:spPr/>
+        <p:txBody>
+          <a:bodyPr/>
+          <a:lstStyle/>
+          <a:p>
+            <a:r>
+              <a:rPr lang="en-US" dirty="0" smtClean="0"/>
+              <a:t>Understanding your code</a:t>
+            </a:r>
+          </a:p>
+          <a:p>
+            <a:pPr lvl="1"/>
+            <a:r>
+              <a:rPr lang="en-US" dirty="0" smtClean="0"/>
+              <a:t>Write a script </a:t>
+            </a:r>
+            <a:r>
+              <a:rPr lang="en-US" dirty="0" err="1" smtClean="0"/>
+              <a:t>analysing</a:t>
+            </a:r>
+            <a:r>
+              <a:rPr lang="en-US" dirty="0" smtClean="0"/>
+              <a:t> the laughter data in 2013 and send the results to co-authors</a:t>
+            </a:r>
+          </a:p>
+          <a:p>
+            <a:pPr lvl="1"/>
+            <a:r>
+              <a:rPr lang="en-US" dirty="0" smtClean="0"/>
+              <a:t>Get an email in 2015: “Could you write a paragraph for the paper explaining exactly what you have done?”</a:t>
+            </a:r>
+          </a:p>
+          <a:p>
+            <a:pPr lvl="1"/>
+            <a:r>
+              <a:rPr lang="en-US" dirty="0" smtClean="0"/>
+              <a:t>Desperation follows (I had to write a new script to understand what I had done and kept getting different results).</a:t>
+            </a:r>
+          </a:p>
+        </p:txBody>
+      </p:sp>
+    </p:spTree>
+    <p:extLst>
+      <p:ext uri="{BB962C8B-B14F-4D97-AF65-F5344CB8AC3E}">
+        <p14:creationId xmlns:p14="http://schemas.microsoft.com/office/powerpoint/2010/main" val="934327403"/>
+      </p:ext>
+    </p:extLst>
+  </p:cSld>
+  <p:clrMapOvr>
+    <a:masterClrMapping/>
+  </p:clrMapOvr>
+  <p:timing>
+    <p:tnLst>
+      <p:par>
+        <p:cTn xmlns:p14="http://schemas.microsoft.com/office/powerpoint/2010/main" id="1" dur="indefinite" restart="never" nodeType="tmRoot"/>
+      </p:par>
+    </p:tnLst>
+  </p:timing>
+</p:sld>
+</file>
+
+<file path=ppt/slides/slide15.xml><?xml version="1.0" encoding="utf-8"?>
+<p:sld xmlns:a="http://schemas.openxmlformats.org/drawingml/2006/main" xmlns:r="http://schemas.openxmlformats.org/officeDocument/2006/relationships" xmlns:p="http://schemas.openxmlformats.org/presentationml/2006/main">
+  <p:cSld>
+    <p:spTree>
+      <p:nvGrpSpPr>
+        <p:cNvPr id="1" name=""/>
+        <p:cNvGrpSpPr/>
+        <p:nvPr/>
+      </p:nvGrpSpPr>
+      <p:grpSpPr>
+        <a:xfrm>
+          <a:off x="0" y="0"/>
+          <a:ext cx="0" cy="0"/>
+          <a:chOff x="0" y="0"/>
+          <a:chExt cx="0" cy="0"/>
+        </a:xfrm>
+      </p:grpSpPr>
+      <p:sp>
+        <p:nvSpPr>
+          <p:cNvPr id="2" name="Title 1"/>
+          <p:cNvSpPr>
+            <a:spLocks noGrp="1"/>
+          </p:cNvSpPr>
+          <p:nvPr>
+            <p:ph type="title"/>
+          </p:nvPr>
+        </p:nvSpPr>
+        <p:spPr/>
+        <p:txBody>
+          <a:bodyPr/>
+          <a:lstStyle/>
+          <a:p>
+            <a:r>
+              <a:rPr lang="en-US" dirty="0" smtClean="0"/>
               <a:t>Lessons learned</a:t>
             </a:r>
             <a:endParaRPr lang="en-US" dirty="0"/>
@@ -3780,10 +3909,17 @@
   <p:clrMapOvr>
     <a:masterClrMapping/>
   </p:clrMapOvr>
+  <p:timing>
+    <p:tnLst>
+      <p:par>
+        <p:cTn xmlns:p14="http://schemas.microsoft.com/office/powerpoint/2010/main" id="1" dur="indefinite" restart="never" nodeType="tmRoot"/>
+      </p:par>
+    </p:tnLst>
+  </p:timing>
 </p:sld>
 </file>
 
-<file path=ppt/slides/slide15.xml><?xml version="1.0" encoding="utf-8"?>
+<file path=ppt/slides/slide16.xml><?xml version="1.0" encoding="utf-8"?>
 <p:sld xmlns:a="http://schemas.openxmlformats.org/drawingml/2006/main" xmlns:r="http://schemas.openxmlformats.org/officeDocument/2006/relationships" xmlns:p="http://schemas.openxmlformats.org/presentationml/2006/main">
   <p:cSld>
     <p:spTree>
@@ -4020,78 +4156,6 @@
 </p:sld>
 </file>
 
-<file path=ppt/slides/slide16.xml><?xml version="1.0" encoding="utf-8"?>
-<p:sld xmlns:a="http://schemas.openxmlformats.org/drawingml/2006/main" xmlns:r="http://schemas.openxmlformats.org/officeDocument/2006/relationships" xmlns:p="http://schemas.openxmlformats.org/presentationml/2006/main">
-  <p:cSld>
-    <p:spTree>
-      <p:nvGrpSpPr>
-        <p:cNvPr id="1" name=""/>
-        <p:cNvGrpSpPr/>
-        <p:nvPr/>
-      </p:nvGrpSpPr>
-      <p:grpSpPr>
-        <a:xfrm>
-          <a:off x="0" y="0"/>
-          <a:ext cx="0" cy="0"/>
-          <a:chOff x="0" y="0"/>
-          <a:chExt cx="0" cy="0"/>
-        </a:xfrm>
-      </p:grpSpPr>
-      <p:sp>
-        <p:nvSpPr>
-          <p:cNvPr id="4" name="Title 3"/>
-          <p:cNvSpPr>
-            <a:spLocks noGrp="1"/>
-          </p:cNvSpPr>
-          <p:nvPr>
-            <p:ph type="title"/>
-          </p:nvPr>
-        </p:nvSpPr>
-        <p:spPr/>
-        <p:txBody>
-          <a:bodyPr/>
-          <a:lstStyle/>
-          <a:p>
-            <a:r>
-              <a:rPr lang="en-US" dirty="0" smtClean="0"/>
-              <a:t>LET’S HAVE A LOOK</a:t>
-            </a:r>
-            <a:endParaRPr lang="en-US" dirty="0"/>
-          </a:p>
-        </p:txBody>
-      </p:sp>
-      <p:sp>
-        <p:nvSpPr>
-          <p:cNvPr id="5" name="Text Placeholder 4"/>
-          <p:cNvSpPr>
-            <a:spLocks noGrp="1"/>
-          </p:cNvSpPr>
-          <p:nvPr>
-            <p:ph type="body" idx="1"/>
-          </p:nvPr>
-        </p:nvSpPr>
-        <p:spPr/>
-        <p:txBody>
-          <a:bodyPr/>
-          <a:lstStyle/>
-          <a:p>
-            <a:endParaRPr lang="en-US"/>
-          </a:p>
-        </p:txBody>
-      </p:sp>
-    </p:spTree>
-    <p:extLst>
-      <p:ext uri="{BB962C8B-B14F-4D97-AF65-F5344CB8AC3E}">
-        <p14:creationId xmlns:p14="http://schemas.microsoft.com/office/powerpoint/2010/main" val="3287876386"/>
-      </p:ext>
-    </p:extLst>
-  </p:cSld>
-  <p:clrMapOvr>
-    <a:masterClrMapping/>
-  </p:clrMapOvr>
-</p:sld>
-</file>
-
 <file path=ppt/slides/slide17.xml><?xml version="1.0" encoding="utf-8"?>
 <p:sld xmlns:a="http://schemas.openxmlformats.org/drawingml/2006/main" xmlns:r="http://schemas.openxmlformats.org/officeDocument/2006/relationships" xmlns:p="http://schemas.openxmlformats.org/presentationml/2006/main">
   <p:cSld>
@@ -4126,15 +4190,7 @@
           <a:p>
             <a:r>
               <a:rPr lang="en-US" dirty="0" smtClean="0"/>
-              <a:t>Check the Day1Exercise1 </a:t>
-            </a:r>
-            <a:r>
-              <a:rPr lang="en-US" dirty="0" err="1" smtClean="0"/>
-              <a:t>Rmd</a:t>
-            </a:r>
-            <a:r>
-              <a:rPr lang="en-US" dirty="0" smtClean="0"/>
-              <a:t> file</a:t>
+              <a:t>LET’S HAVE A LOOK</a:t>
             </a:r>
             <a:endParaRPr lang="en-US" dirty="0"/>
           </a:p>
@@ -4142,77 +4198,40 @@
       </p:sp>
       <p:sp>
         <p:nvSpPr>
-          <p:cNvPr id="5" name="Content Placeholder 4"/>
-          <p:cNvSpPr>
-            <a:spLocks noGrp="1"/>
-          </p:cNvSpPr>
-          <p:nvPr>
-            <p:ph idx="1"/>
-          </p:nvPr>
-        </p:nvSpPr>
-        <p:spPr/>
-        <p:txBody>
-          <a:bodyPr>
-            <a:normAutofit fontScale="92500" lnSpcReduction="10000"/>
-          </a:bodyPr>
-          <a:lstStyle/>
-          <a:p>
-            <a:r>
-              <a:rPr lang="en-US" dirty="0" smtClean="0"/>
-              <a:t>It solves the first steps of Josh’s exercise</a:t>
-            </a:r>
-          </a:p>
-          <a:p>
-            <a:endParaRPr lang="en-US" dirty="0"/>
-          </a:p>
-          <a:p>
-            <a:r>
-              <a:rPr lang="en-US" dirty="0" smtClean="0"/>
-              <a:t>White background is text</a:t>
-            </a:r>
-          </a:p>
-          <a:p>
-            <a:r>
-              <a:rPr lang="en-US" dirty="0" smtClean="0"/>
-              <a:t>Grey background is code</a:t>
-            </a:r>
-          </a:p>
-          <a:p>
-            <a:endParaRPr lang="en-US" dirty="0"/>
-          </a:p>
-          <a:p>
-            <a:r>
-              <a:rPr lang="en-US" dirty="0" smtClean="0"/>
-              <a:t>To see what the code does:</a:t>
-            </a:r>
-          </a:p>
-          <a:p>
-            <a:pPr lvl="1"/>
-            <a:r>
-              <a:rPr lang="en-US" dirty="0" smtClean="0"/>
-              <a:t>One line at a time: position your cursor on the line, push “Run”</a:t>
-            </a:r>
-          </a:p>
-          <a:p>
-            <a:pPr lvl="1"/>
-            <a:r>
-              <a:rPr lang="en-US" dirty="0" smtClean="0"/>
-              <a:t>The full document: push Knit html</a:t>
-            </a:r>
-            <a:endParaRPr lang="en-US" dirty="0"/>
+          <p:cNvPr id="5" name="Text Placeholder 4"/>
+          <p:cNvSpPr>
+            <a:spLocks noGrp="1"/>
+          </p:cNvSpPr>
+          <p:nvPr>
+            <p:ph type="body" idx="1"/>
+          </p:nvPr>
+        </p:nvSpPr>
+        <p:spPr/>
+        <p:txBody>
+          <a:bodyPr/>
+          <a:lstStyle/>
+          <a:p>
+            <a:endParaRPr lang="en-US"/>
           </a:p>
         </p:txBody>
       </p:sp>
     </p:spTree>
     <p:extLst>
       <p:ext uri="{BB962C8B-B14F-4D97-AF65-F5344CB8AC3E}">
-        <p14:creationId xmlns:p14="http://schemas.microsoft.com/office/powerpoint/2010/main" val="1965365094"/>
+        <p14:creationId xmlns:p14="http://schemas.microsoft.com/office/powerpoint/2010/main" val="3287876386"/>
       </p:ext>
     </p:extLst>
   </p:cSld>
   <p:clrMapOvr>
     <a:masterClrMapping/>
   </p:clrMapOvr>
+  <p:timing>
+    <p:tnLst>
+      <p:par>
+        <p:cTn xmlns:p14="http://schemas.microsoft.com/office/powerpoint/2010/main" id="1" dur="indefinite" restart="never" nodeType="tmRoot"/>
+      </p:par>
+    </p:tnLst>
+  </p:timing>
 </p:sld>
 </file>
 
@@ -4235,7 +4254,7 @@
       </p:grpSpPr>
       <p:sp>
         <p:nvSpPr>
-          <p:cNvPr id="2" name="Title 1"/>
+          <p:cNvPr id="4" name="Title 3"/>
           <p:cNvSpPr>
             <a:spLocks noGrp="1"/>
           </p:cNvSpPr>
@@ -4250,7 +4269,15 @@
           <a:p>
             <a:r>
               <a:rPr lang="en-US" dirty="0" smtClean="0"/>
-              <a:t>Structure of the exercises</a:t>
+              <a:t>Check the Day1Exercise1 </a:t>
+            </a:r>
+            <a:r>
+              <a:rPr lang="en-US" dirty="0" err="1" smtClean="0"/>
+              <a:t>Rmd</a:t>
+            </a:r>
+            <a:r>
+              <a:rPr lang="en-US" dirty="0" smtClean="0"/>
+              <a:t> file</a:t>
             </a:r>
             <a:endParaRPr lang="en-US" dirty="0"/>
           </a:p>
@@ -4258,7 +4285,7 @@
       </p:sp>
       <p:sp>
         <p:nvSpPr>
-          <p:cNvPr id="3" name="Content Placeholder 2"/>
+          <p:cNvPr id="5" name="Content Placeholder 4"/>
           <p:cNvSpPr>
             <a:spLocks noGrp="1"/>
           </p:cNvSpPr>
@@ -4268,18 +4295,52 @@
         </p:nvSpPr>
         <p:spPr/>
         <p:txBody>
-          <a:bodyPr/>
-          <a:lstStyle/>
-          <a:p>
-            <a:r>
-              <a:rPr lang="en-US" dirty="0" smtClean="0"/>
-              <a:t>Instructions in the white part, to be solved in the grey part</a:t>
-            </a:r>
-          </a:p>
-          <a:p>
-            <a:r>
-              <a:rPr lang="en-US" dirty="0" smtClean="0"/>
-              <a:t>Push on knit and you have a ready fancy report!</a:t>
+          <a:bodyPr>
+            <a:normAutofit fontScale="92500" lnSpcReduction="10000"/>
+          </a:bodyPr>
+          <a:lstStyle/>
+          <a:p>
+            <a:r>
+              <a:rPr lang="en-US" dirty="0" smtClean="0"/>
+              <a:t>It solves the first steps of Josh’s exercise</a:t>
+            </a:r>
+          </a:p>
+          <a:p>
+            <a:endParaRPr lang="en-US" dirty="0"/>
+          </a:p>
+          <a:p>
+            <a:r>
+              <a:rPr lang="en-US" dirty="0" smtClean="0"/>
+              <a:t>White background is text</a:t>
+            </a:r>
+          </a:p>
+          <a:p>
+            <a:r>
+              <a:rPr lang="en-US" dirty="0" smtClean="0"/>
+              <a:t>Grey background is code</a:t>
+            </a:r>
+          </a:p>
+          <a:p>
+            <a:endParaRPr lang="en-US" dirty="0"/>
+          </a:p>
+          <a:p>
+            <a:r>
+              <a:rPr lang="en-US" dirty="0" smtClean="0"/>
+              <a:t>To see what the code does:</a:t>
+            </a:r>
+          </a:p>
+          <a:p>
+            <a:pPr lvl="1"/>
+            <a:r>
+              <a:rPr lang="en-US" dirty="0" smtClean="0"/>
+              <a:t>One line at a time: position your cursor on the line, push “Run”</a:t>
+            </a:r>
+          </a:p>
+          <a:p>
+            <a:pPr lvl="1"/>
+            <a:r>
+              <a:rPr lang="en-US" dirty="0" smtClean="0"/>
+              <a:t>The full document: push Knit html</a:t>
             </a:r>
             <a:endParaRPr lang="en-US" dirty="0"/>
           </a:p>
@@ -4288,13 +4349,20 @@
     </p:spTree>
     <p:extLst>
       <p:ext uri="{BB962C8B-B14F-4D97-AF65-F5344CB8AC3E}">
-        <p14:creationId xmlns:p14="http://schemas.microsoft.com/office/powerpoint/2010/main" val="34663828"/>
+        <p14:creationId xmlns:p14="http://schemas.microsoft.com/office/powerpoint/2010/main" val="1965365094"/>
       </p:ext>
     </p:extLst>
   </p:cSld>
   <p:clrMapOvr>
     <a:masterClrMapping/>
   </p:clrMapOvr>
+  <p:timing>
+    <p:tnLst>
+      <p:par>
+        <p:cTn xmlns:p14="http://schemas.microsoft.com/office/powerpoint/2010/main" id="1" dur="indefinite" restart="never" nodeType="tmRoot"/>
+      </p:par>
+    </p:tnLst>
+  </p:timing>
 </p:sld>
 </file>
 
@@ -4332,7 +4400,7 @@
           <a:p>
             <a:r>
               <a:rPr lang="en-US" dirty="0" smtClean="0"/>
-              <a:t>A cheat sheet for R Markdown</a:t>
+              <a:t>Structure of the exercises</a:t>
             </a:r>
             <a:endParaRPr lang="en-US" dirty="0"/>
           </a:p>
@@ -4355,19 +4423,13 @@
           <a:p>
             <a:r>
               <a:rPr lang="en-US" dirty="0" smtClean="0"/>
-              <a:t>http://</a:t>
-            </a:r>
-            <a:r>
-              <a:rPr lang="en-US" dirty="0" err="1" smtClean="0"/>
-              <a:t>shiny.rstudio.com</a:t>
-            </a:r>
-            <a:r>
-              <a:rPr lang="en-US" dirty="0" smtClean="0"/>
-              <a:t>/images/</a:t>
-            </a:r>
-            <a:r>
-              <a:rPr lang="en-US" dirty="0" err="1" smtClean="0"/>
-              <a:t>rm-cheatsheet.pdf.zip</a:t>
+              <a:t>Instructions in the white part, to be solved in the grey part</a:t>
+            </a:r>
+          </a:p>
+          <a:p>
+            <a:r>
+              <a:rPr lang="en-US" dirty="0" smtClean="0"/>
+              <a:t>Push on knit and you have a ready fancy report!</a:t>
             </a:r>
             <a:endParaRPr lang="en-US" dirty="0"/>
           </a:p>
@@ -4376,20 +4438,13 @@
     </p:spTree>
     <p:extLst>
       <p:ext uri="{BB962C8B-B14F-4D97-AF65-F5344CB8AC3E}">
-        <p14:creationId xmlns:p14="http://schemas.microsoft.com/office/powerpoint/2010/main" val="470931905"/>
+        <p14:creationId xmlns:p14="http://schemas.microsoft.com/office/powerpoint/2010/main" val="34663828"/>
       </p:ext>
     </p:extLst>
   </p:cSld>
   <p:clrMapOvr>
     <a:masterClrMapping/>
   </p:clrMapOvr>
-  <p:timing>
-    <p:tnLst>
-      <p:par>
-        <p:cTn xmlns:p14="http://schemas.microsoft.com/office/powerpoint/2010/main" id="1" dur="indefinite" restart="never" nodeType="tmRoot"/>
-      </p:par>
-    </p:tnLst>
-  </p:timing>
 </p:sld>
 </file>
 
@@ -4519,6 +4574,106 @@
     <p:extLst>
       <p:ext uri="{BB962C8B-B14F-4D97-AF65-F5344CB8AC3E}">
         <p14:creationId xmlns:p14="http://schemas.microsoft.com/office/powerpoint/2010/main" val="3232138417"/>
+      </p:ext>
+    </p:extLst>
+  </p:cSld>
+  <p:clrMapOvr>
+    <a:masterClrMapping/>
+  </p:clrMapOvr>
+  <p:timing>
+    <p:tnLst>
+      <p:par>
+        <p:cTn xmlns:p14="http://schemas.microsoft.com/office/powerpoint/2010/main" id="1" dur="indefinite" restart="never" nodeType="tmRoot"/>
+      </p:par>
+    </p:tnLst>
+  </p:timing>
+</p:sld>
+</file>
+
+<file path=ppt/slides/slide20.xml><?xml version="1.0" encoding="utf-8"?>
+<p:sld xmlns:a="http://schemas.openxmlformats.org/drawingml/2006/main" xmlns:r="http://schemas.openxmlformats.org/officeDocument/2006/relationships" xmlns:p="http://schemas.openxmlformats.org/presentationml/2006/main">
+  <p:cSld>
+    <p:spTree>
+      <p:nvGrpSpPr>
+        <p:cNvPr id="1" name=""/>
+        <p:cNvGrpSpPr/>
+        <p:nvPr/>
+      </p:nvGrpSpPr>
+      <p:grpSpPr>
+        <a:xfrm>
+          <a:off x="0" y="0"/>
+          <a:ext cx="0" cy="0"/>
+          <a:chOff x="0" y="0"/>
+          <a:chExt cx="0" cy="0"/>
+        </a:xfrm>
+      </p:grpSpPr>
+      <p:sp>
+        <p:nvSpPr>
+          <p:cNvPr id="2" name="Title 1"/>
+          <p:cNvSpPr>
+            <a:spLocks noGrp="1"/>
+          </p:cNvSpPr>
+          <p:nvPr>
+            <p:ph type="title"/>
+          </p:nvPr>
+        </p:nvSpPr>
+        <p:spPr/>
+        <p:txBody>
+          <a:bodyPr/>
+          <a:lstStyle/>
+          <a:p>
+            <a:r>
+              <a:rPr lang="en-US" dirty="0" smtClean="0"/>
+              <a:t>A cheat sheet for R Markdown</a:t>
+            </a:r>
+            <a:endParaRPr lang="en-US" dirty="0"/>
+          </a:p>
+        </p:txBody>
+      </p:sp>
+      <p:sp>
+        <p:nvSpPr>
+          <p:cNvPr id="3" name="Content Placeholder 2"/>
+          <p:cNvSpPr>
+            <a:spLocks noGrp="1"/>
+          </p:cNvSpPr>
+          <p:nvPr>
+            <p:ph idx="1"/>
+          </p:nvPr>
+        </p:nvSpPr>
+        <p:spPr>
+          <a:xfrm>
+            <a:off x="457200" y="1421857"/>
+            <a:ext cx="8229600" cy="4525963"/>
+          </a:xfrm>
+        </p:spPr>
+        <p:txBody>
+          <a:bodyPr/>
+          <a:lstStyle/>
+          <a:p>
+            <a:r>
+              <a:rPr lang="en-US" dirty="0" smtClean="0"/>
+              <a:t>http://</a:t>
+            </a:r>
+            <a:r>
+              <a:rPr lang="en-US" dirty="0" err="1" smtClean="0"/>
+              <a:t>shiny.rstudio.com</a:t>
+            </a:r>
+            <a:r>
+              <a:rPr lang="en-US" dirty="0" smtClean="0"/>
+              <a:t>/images/</a:t>
+            </a:r>
+            <a:r>
+              <a:rPr lang="en-US" dirty="0" err="1" smtClean="0"/>
+              <a:t>rm-cheatsheet.pdf.zip</a:t>
+            </a:r>
+            <a:endParaRPr lang="en-US" dirty="0"/>
+          </a:p>
+        </p:txBody>
+      </p:sp>
+    </p:spTree>
+    <p:extLst>
+      <p:ext uri="{BB962C8B-B14F-4D97-AF65-F5344CB8AC3E}">
+        <p14:creationId xmlns:p14="http://schemas.microsoft.com/office/powerpoint/2010/main" val="470931905"/>
       </p:ext>
     </p:extLst>
   </p:cSld>
@@ -5214,12 +5369,8 @@
           <a:p>
             <a:pPr lvl="1"/>
             <a:r>
-              <a:rPr lang="en-US" smtClean="0"/>
-              <a:t>library</a:t>
-            </a:r>
-            <a:r>
-              <a:rPr lang="en-US" dirty="0" smtClean="0"/>
-              <a:t>(swirl)</a:t>
+              <a:rPr lang="en-US" dirty="0" smtClean="0"/>
+              <a:t>library(swirl)</a:t>
             </a:r>
             <a:endParaRPr lang="en-US" dirty="0"/>
           </a:p>
